--- a/command-center-paper/10_일정/CC_WBS.pptx
+++ b/command-center-paper/10_일정/CC_WBS.pptx
@@ -259,7 +259,7 @@
           <a:p>
             <a:fld id="{135FF667-3E6F-43EE-927E-1028A28FEF26}" type="datetimeFigureOut">
               <a:rPr lang="ko-KR" altLang="en-US" smtClean="0"/>
-              <a:t>2023-02-13</a:t>
+              <a:t>2023-03-20</a:t>
             </a:fld>
             <a:endParaRPr lang="ko-KR" altLang="en-US"/>
           </a:p>
@@ -457,7 +457,7 @@
           <a:p>
             <a:fld id="{135FF667-3E6F-43EE-927E-1028A28FEF26}" type="datetimeFigureOut">
               <a:rPr lang="ko-KR" altLang="en-US" smtClean="0"/>
-              <a:t>2023-02-13</a:t>
+              <a:t>2023-03-20</a:t>
             </a:fld>
             <a:endParaRPr lang="ko-KR" altLang="en-US"/>
           </a:p>
@@ -665,7 +665,7 @@
           <a:p>
             <a:fld id="{135FF667-3E6F-43EE-927E-1028A28FEF26}" type="datetimeFigureOut">
               <a:rPr lang="ko-KR" altLang="en-US" smtClean="0"/>
-              <a:t>2023-02-13</a:t>
+              <a:t>2023-03-20</a:t>
             </a:fld>
             <a:endParaRPr lang="ko-KR" altLang="en-US"/>
           </a:p>
@@ -863,7 +863,7 @@
           <a:p>
             <a:fld id="{135FF667-3E6F-43EE-927E-1028A28FEF26}" type="datetimeFigureOut">
               <a:rPr lang="ko-KR" altLang="en-US" smtClean="0"/>
-              <a:t>2023-02-13</a:t>
+              <a:t>2023-03-20</a:t>
             </a:fld>
             <a:endParaRPr lang="ko-KR" altLang="en-US"/>
           </a:p>
@@ -1138,7 +1138,7 @@
           <a:p>
             <a:fld id="{135FF667-3E6F-43EE-927E-1028A28FEF26}" type="datetimeFigureOut">
               <a:rPr lang="ko-KR" altLang="en-US" smtClean="0"/>
-              <a:t>2023-02-13</a:t>
+              <a:t>2023-03-20</a:t>
             </a:fld>
             <a:endParaRPr lang="ko-KR" altLang="en-US"/>
           </a:p>
@@ -1403,7 +1403,7 @@
           <a:p>
             <a:fld id="{135FF667-3E6F-43EE-927E-1028A28FEF26}" type="datetimeFigureOut">
               <a:rPr lang="ko-KR" altLang="en-US" smtClean="0"/>
-              <a:t>2023-02-13</a:t>
+              <a:t>2023-03-20</a:t>
             </a:fld>
             <a:endParaRPr lang="ko-KR" altLang="en-US"/>
           </a:p>
@@ -1815,7 +1815,7 @@
           <a:p>
             <a:fld id="{135FF667-3E6F-43EE-927E-1028A28FEF26}" type="datetimeFigureOut">
               <a:rPr lang="ko-KR" altLang="en-US" smtClean="0"/>
-              <a:t>2023-02-13</a:t>
+              <a:t>2023-03-20</a:t>
             </a:fld>
             <a:endParaRPr lang="ko-KR" altLang="en-US"/>
           </a:p>
@@ -1956,7 +1956,7 @@
           <a:p>
             <a:fld id="{135FF667-3E6F-43EE-927E-1028A28FEF26}" type="datetimeFigureOut">
               <a:rPr lang="ko-KR" altLang="en-US" smtClean="0"/>
-              <a:t>2023-02-13</a:t>
+              <a:t>2023-03-20</a:t>
             </a:fld>
             <a:endParaRPr lang="ko-KR" altLang="en-US"/>
           </a:p>
@@ -2069,7 +2069,7 @@
           <a:p>
             <a:fld id="{135FF667-3E6F-43EE-927E-1028A28FEF26}" type="datetimeFigureOut">
               <a:rPr lang="ko-KR" altLang="en-US" smtClean="0"/>
-              <a:t>2023-02-13</a:t>
+              <a:t>2023-03-20</a:t>
             </a:fld>
             <a:endParaRPr lang="ko-KR" altLang="en-US"/>
           </a:p>
@@ -2380,7 +2380,7 @@
           <a:p>
             <a:fld id="{135FF667-3E6F-43EE-927E-1028A28FEF26}" type="datetimeFigureOut">
               <a:rPr lang="ko-KR" altLang="en-US" smtClean="0"/>
-              <a:t>2023-02-13</a:t>
+              <a:t>2023-03-20</a:t>
             </a:fld>
             <a:endParaRPr lang="ko-KR" altLang="en-US"/>
           </a:p>
@@ -2668,7 +2668,7 @@
           <a:p>
             <a:fld id="{135FF667-3E6F-43EE-927E-1028A28FEF26}" type="datetimeFigureOut">
               <a:rPr lang="ko-KR" altLang="en-US" smtClean="0"/>
-              <a:t>2023-02-13</a:t>
+              <a:t>2023-03-20</a:t>
             </a:fld>
             <a:endParaRPr lang="ko-KR" altLang="en-US"/>
           </a:p>
@@ -2909,7 +2909,7 @@
           <a:p>
             <a:fld id="{135FF667-3E6F-43EE-927E-1028A28FEF26}" type="datetimeFigureOut">
               <a:rPr lang="ko-KR" altLang="en-US" smtClean="0"/>
-              <a:t>2023-02-13</a:t>
+              <a:t>2023-03-20</a:t>
             </a:fld>
             <a:endParaRPr lang="ko-KR" altLang="en-US"/>
           </a:p>
@@ -12527,6 +12527,97 @@
           </a:p>
         </p:txBody>
       </p:sp>
+      <p:sp>
+        <p:nvSpPr>
+          <p:cNvPr id="34" name="직사각형 33">
+            <a:extLst>
+              <a:ext uri="{FF2B5EF4-FFF2-40B4-BE49-F238E27FC236}">
+                <a16:creationId xmlns:a16="http://schemas.microsoft.com/office/drawing/2014/main" id="{D291A7FF-D605-6B03-2CB4-D413B0783277}"/>
+              </a:ext>
+            </a:extLst>
+          </p:cNvPr>
+          <p:cNvSpPr/>
+          <p:nvPr/>
+        </p:nvSpPr>
+        <p:spPr>
+          <a:xfrm>
+            <a:off x="5769263" y="2320546"/>
+            <a:ext cx="1620000" cy="3960000"/>
+          </a:xfrm>
+          <a:prstGeom prst="rect">
+            <a:avLst/>
+          </a:prstGeom>
+          <a:solidFill>
+            <a:srgbClr val="FF0000"/>
+          </a:solidFill>
+          <a:ln>
+            <a:noFill/>
+          </a:ln>
+        </p:spPr>
+        <p:style>
+          <a:lnRef idx="2">
+            <a:schemeClr val="accent1">
+              <a:shade val="50000"/>
+            </a:schemeClr>
+          </a:lnRef>
+          <a:fillRef idx="1">
+            <a:schemeClr val="accent1"/>
+          </a:fillRef>
+          <a:effectRef idx="0">
+            <a:schemeClr val="accent1"/>
+          </a:effectRef>
+          <a:fontRef idx="minor">
+            <a:schemeClr val="lt1"/>
+          </a:fontRef>
+        </p:style>
+        <p:txBody>
+          <a:bodyPr lIns="0" tIns="0" rIns="0" bIns="0" rtlCol="0" anchor="ctr"/>
+          <a:lstStyle/>
+          <a:p>
+            <a:pPr marL="0" marR="0" lvl="0" indent="0" algn="ctr" defTabSz="914400" rtl="0" eaLnBrk="1" fontAlgn="auto" latinLnBrk="1" hangingPunct="1">
+              <a:lnSpc>
+                <a:spcPct val="100000"/>
+              </a:lnSpc>
+              <a:spcBef>
+                <a:spcPts val="0"/>
+              </a:spcBef>
+              <a:spcAft>
+                <a:spcPts val="0"/>
+              </a:spcAft>
+              <a:buClrTx/>
+              <a:buSzTx/>
+              <a:buFontTx/>
+              <a:buNone/>
+              <a:tabLst/>
+              <a:defRPr/>
+            </a:pPr>
+            <a:r>
+              <a:rPr lang="ko-KR" altLang="en-US" sz="1600" b="1" dirty="0">
+                <a:solidFill>
+                  <a:schemeClr val="bg1"/>
+                </a:solidFill>
+                <a:latin typeface="현대하모니 L" panose="02020603020101020101" pitchFamily="18" charset="-127"/>
+                <a:ea typeface="현대하모니 L" panose="02020603020101020101" pitchFamily="18" charset="-127"/>
+              </a:rPr>
+              <a:t>여행</a:t>
+            </a:r>
+            <a:endParaRPr kumimoji="0" lang="ko-KR" altLang="en-US" sz="1600" b="1" i="0" u="none" strike="noStrike" kern="1200" cap="none" spc="0" normalizeH="0" baseline="0" noProof="0" dirty="0">
+              <a:ln>
+                <a:noFill/>
+              </a:ln>
+              <a:solidFill>
+                <a:schemeClr val="bg1"/>
+              </a:solidFill>
+              <a:effectLst/>
+              <a:uLnTx/>
+              <a:uFillTx/>
+              <a:latin typeface="현대하모니 L" panose="02020603020101020101" pitchFamily="18" charset="-127"/>
+              <a:ea typeface="현대하모니 L" panose="02020603020101020101" pitchFamily="18" charset="-127"/>
+              <a:cs typeface="+mn-cs"/>
+            </a:endParaRPr>
+          </a:p>
+        </p:txBody>
+      </p:sp>
     </p:spTree>
     <p:extLst>
       <p:ext uri="{BB962C8B-B14F-4D97-AF65-F5344CB8AC3E}">
